--- a/presentations/103 - Intro to Spring Cloud Services/Session_8_Circuit_Breaker.pptx
+++ b/presentations/103 - Intro to Spring Cloud Services/Session_8_Circuit_Breaker.pptx
@@ -242,7 +242,7 @@
           <a:p>
             <a:fld id="{372E5B6B-8713-8747-AE5B-F1241B2BF5F0}" type="datetimeFigureOut">
               <a:rPr lang="en-US" smtClean="0"/>
-              <a:t>9/1/17</a:t>
+              <a:t>10/3/17</a:t>
             </a:fld>
             <a:endParaRPr lang="en-US"/>
           </a:p>
@@ -408,7 +408,7 @@
           <a:p>
             <a:fld id="{7E7B7340-DDD5-1B49-81AA-25BC4050C073}" type="datetimeFigureOut">
               <a:rPr lang="en-US" smtClean="0"/>
-              <a:t>9/1/17</a:t>
+              <a:t>10/3/17</a:t>
             </a:fld>
             <a:endParaRPr lang="en-US"/>
           </a:p>
@@ -7860,7 +7860,7 @@
         <p:spPr>
           <a:xfrm>
             <a:off x="142240" y="1209040"/>
-            <a:ext cx="4612640" cy="3170099"/>
+            <a:ext cx="4612640" cy="2123658"/>
           </a:xfrm>
           <a:prstGeom prst="rect">
             <a:avLst/>
@@ -7934,174 +7934,6 @@
                 </a:solidFill>
               </a:rPr>
               <a:t>Include starter dependency in app</a:t>
-            </a:r>
-          </a:p>
-          <a:p>
-            <a:pPr marL="285750" lvl="0" indent="-285750" fontAlgn="base">
-              <a:buFont typeface="Arial"/>
-              <a:buChar char="•"/>
-            </a:pPr>
-            <a:endParaRPr lang="en-US" dirty="0">
-              <a:solidFill>
-                <a:srgbClr val="FFFFFF"/>
-              </a:solidFill>
-            </a:endParaRPr>
-          </a:p>
-          <a:p>
-            <a:r>
-              <a:rPr lang="en-US" sz="1000" b="1" dirty="0">
-                <a:solidFill>
-                  <a:srgbClr val="008774"/>
-                </a:solidFill>
-                <a:latin typeface="Courier New"/>
-                <a:cs typeface="Courier New"/>
-              </a:rPr>
-              <a:t>&lt;dependency</a:t>
-            </a:r>
-            <a:r>
-              <a:rPr lang="en-US" sz="1000" b="1" dirty="0" smtClean="0">
-                <a:solidFill>
-                  <a:srgbClr val="008774"/>
-                </a:solidFill>
-                <a:latin typeface="Courier New"/>
-                <a:cs typeface="Courier New"/>
-              </a:rPr>
-              <a:t>&gt;</a:t>
-            </a:r>
-          </a:p>
-          <a:p>
-            <a:r>
-              <a:rPr lang="en-US" sz="1000" b="1" dirty="0" smtClean="0">
-                <a:solidFill>
-                  <a:srgbClr val="008774"/>
-                </a:solidFill>
-                <a:latin typeface="Courier New"/>
-                <a:cs typeface="Courier New"/>
-              </a:rPr>
-              <a:t>   </a:t>
-            </a:r>
-            <a:r>
-              <a:rPr lang="en-US" sz="1000" b="1" dirty="0">
-                <a:solidFill>
-                  <a:srgbClr val="008774"/>
-                </a:solidFill>
-                <a:latin typeface="Courier New"/>
-                <a:cs typeface="Courier New"/>
-              </a:rPr>
-              <a:t>&lt;groupId&gt;io.pivotal.spring.cloud&lt;/groupId&gt;  </a:t>
-            </a:r>
-            <a:endParaRPr lang="en-US" sz="1000" b="1" dirty="0" smtClean="0">
-              <a:solidFill>
-                <a:srgbClr val="008774"/>
-              </a:solidFill>
-              <a:latin typeface="Courier New"/>
-              <a:cs typeface="Courier New"/>
-            </a:endParaRPr>
-          </a:p>
-          <a:p>
-            <a:r>
-              <a:rPr lang="en-US" sz="1000" b="1" dirty="0" smtClean="0">
-                <a:solidFill>
-                  <a:srgbClr val="008774"/>
-                </a:solidFill>
-                <a:latin typeface="Courier New"/>
-                <a:cs typeface="Courier New"/>
-              </a:rPr>
-              <a:t>   &lt;</a:t>
-            </a:r>
-            <a:r>
-              <a:rPr lang="en-US" sz="1000" b="1" dirty="0">
-                <a:solidFill>
-                  <a:srgbClr val="008774"/>
-                </a:solidFill>
-                <a:latin typeface="Courier New"/>
-                <a:cs typeface="Courier New"/>
-              </a:rPr>
-              <a:t>artifactId&gt;spring-cloud-services-starter</a:t>
-            </a:r>
-            <a:r>
-              <a:rPr lang="en-US" sz="1000" b="1" dirty="0" smtClean="0">
-                <a:solidFill>
-                  <a:srgbClr val="008774"/>
-                </a:solidFill>
-                <a:latin typeface="Courier New"/>
-                <a:cs typeface="Courier New"/>
-              </a:rPr>
-              <a:t>-circuit-</a:t>
-            </a:r>
-          </a:p>
-          <a:p>
-            <a:r>
-              <a:rPr lang="en-US" sz="1000" b="1" dirty="0">
-                <a:solidFill>
-                  <a:srgbClr val="008774"/>
-                </a:solidFill>
-                <a:latin typeface="Courier New"/>
-                <a:cs typeface="Courier New"/>
-              </a:rPr>
-              <a:t> </a:t>
-            </a:r>
-            <a:r>
-              <a:rPr lang="en-US" sz="1000" b="1" dirty="0" smtClean="0">
-                <a:solidFill>
-                  <a:srgbClr val="008774"/>
-                </a:solidFill>
-                <a:latin typeface="Courier New"/>
-                <a:cs typeface="Courier New"/>
-              </a:rPr>
-              <a:t>              breaker</a:t>
-            </a:r>
-            <a:r>
-              <a:rPr lang="en-US" sz="1000" b="1" dirty="0">
-                <a:solidFill>
-                  <a:srgbClr val="008774"/>
-                </a:solidFill>
-                <a:latin typeface="Courier New"/>
-                <a:cs typeface="Courier New"/>
-              </a:rPr>
-              <a:t>&lt;/artifactId</a:t>
-            </a:r>
-            <a:r>
-              <a:rPr lang="en-US" sz="1000" b="1" dirty="0" smtClean="0">
-                <a:solidFill>
-                  <a:srgbClr val="008774"/>
-                </a:solidFill>
-                <a:latin typeface="Courier New"/>
-                <a:cs typeface="Courier New"/>
-              </a:rPr>
-              <a:t>&gt;</a:t>
-            </a:r>
-          </a:p>
-          <a:p>
-            <a:r>
-              <a:rPr lang="en-US" sz="1000" b="1" dirty="0" smtClean="0">
-                <a:solidFill>
-                  <a:srgbClr val="008774"/>
-                </a:solidFill>
-                <a:latin typeface="Courier New"/>
-                <a:cs typeface="Courier New"/>
-              </a:rPr>
-              <a:t>&lt;</a:t>
-            </a:r>
-            <a:r>
-              <a:rPr lang="en-US" sz="1000" b="1" dirty="0">
-                <a:solidFill>
-                  <a:srgbClr val="008774"/>
-                </a:solidFill>
-                <a:latin typeface="Courier New"/>
-                <a:cs typeface="Courier New"/>
-              </a:rPr>
-              <a:t>/dependency</a:t>
-            </a:r>
-            <a:r>
-              <a:rPr lang="en-US" sz="1000" b="1" dirty="0" smtClean="0">
-                <a:solidFill>
-                  <a:srgbClr val="008774"/>
-                </a:solidFill>
-                <a:latin typeface="Courier New"/>
-                <a:cs typeface="Courier New"/>
-              </a:rPr>
-              <a:t>&gt;</a:t>
             </a:r>
           </a:p>
           <a:p>
@@ -8142,8 +7974,38 @@
         </p:blipFill>
         <p:spPr>
           <a:xfrm>
-            <a:off x="4975297" y="1016000"/>
+            <a:off x="5110480" y="1127760"/>
             <a:ext cx="3757368" cy="2938780"/>
+          </a:xfrm>
+          <a:prstGeom prst="rect">
+            <a:avLst/>
+          </a:prstGeom>
+        </p:spPr>
+      </p:pic>
+      <p:pic>
+        <p:nvPicPr>
+          <p:cNvPr id="3" name="Picture 2"/>
+          <p:cNvPicPr>
+            <a:picLocks noChangeAspect="1"/>
+          </p:cNvPicPr>
+          <p:nvPr/>
+        </p:nvPicPr>
+        <p:blipFill>
+          <a:blip r:embed="rId4">
+            <a:extLst>
+              <a:ext uri="{28A0092B-C50C-407E-A947-70E740481C1C}">
+                <a14:useLocalDpi xmlns:a14="http://schemas.microsoft.com/office/drawing/2010/main" val="0"/>
+              </a:ext>
+            </a:extLst>
+          </a:blip>
+          <a:stretch>
+            <a:fillRect/>
+          </a:stretch>
+        </p:blipFill>
+        <p:spPr>
+          <a:xfrm>
+            <a:off x="497840" y="3243591"/>
+            <a:ext cx="5008880" cy="549361"/>
           </a:xfrm>
           <a:prstGeom prst="rect">
             <a:avLst/>
@@ -9646,140 +9508,36 @@
           </a:fontRef>
         </p:style>
       </p:cxnSp>
-      <p:sp>
-        <p:nvSpPr>
-          <p:cNvPr id="4" name="TextBox 3"/>
-          <p:cNvSpPr txBox="1"/>
+      <p:pic>
+        <p:nvPicPr>
+          <p:cNvPr id="3" name="Picture 2"/>
+          <p:cNvPicPr>
+            <a:picLocks noChangeAspect="1"/>
+          </p:cNvPicPr>
           <p:nvPr/>
-        </p:nvSpPr>
+        </p:nvPicPr>
+        <p:blipFill>
+          <a:blip r:embed="rId3">
+            <a:extLst>
+              <a:ext uri="{28A0092B-C50C-407E-A947-70E740481C1C}">
+                <a14:useLocalDpi xmlns:a14="http://schemas.microsoft.com/office/drawing/2010/main" val="0"/>
+              </a:ext>
+            </a:extLst>
+          </a:blip>
+          <a:stretch>
+            <a:fillRect/>
+          </a:stretch>
+        </p:blipFill>
         <p:spPr>
           <a:xfrm>
-            <a:off x="1087120" y="3251200"/>
-            <a:ext cx="7802880" cy="1015663"/>
+            <a:off x="1229360" y="3296861"/>
+            <a:ext cx="5783580" cy="787647"/>
           </a:xfrm>
           <a:prstGeom prst="rect">
             <a:avLst/>
           </a:prstGeom>
-          <a:noFill/>
         </p:spPr>
-        <p:txBody>
-          <a:bodyPr wrap="square" rtlCol="0">
-            <a:spAutoFit/>
-          </a:bodyPr>
-          <a:lstStyle/>
-          <a:p>
-            <a:r>
-              <a:rPr lang="en-US" sz="1200" b="1" dirty="0">
-                <a:solidFill>
-                  <a:srgbClr val="008774"/>
-                </a:solidFill>
-                <a:latin typeface="Courier New"/>
-                <a:cs typeface="Courier New"/>
-              </a:rPr>
-              <a:t>&lt;dependency&gt;</a:t>
-            </a:r>
-          </a:p>
-          <a:p>
-            <a:r>
-              <a:rPr lang="en-US" sz="1200" b="1" dirty="0">
-                <a:solidFill>
-                  <a:srgbClr val="008774"/>
-                </a:solidFill>
-                <a:latin typeface="Courier New"/>
-                <a:cs typeface="Courier New"/>
-              </a:rPr>
-              <a:t>   &lt;groupId&gt;io.pivotal.spring.cloud&lt;/groupId&gt;  </a:t>
-            </a:r>
-          </a:p>
-          <a:p>
-            <a:r>
-              <a:rPr lang="en-US" sz="1200" b="1" dirty="0">
-                <a:solidFill>
-                  <a:srgbClr val="008774"/>
-                </a:solidFill>
-                <a:latin typeface="Courier New"/>
-                <a:cs typeface="Courier New"/>
-              </a:rPr>
-              <a:t>   &lt;artifactId&gt;spring-</a:t>
-            </a:r>
-            <a:r>
-              <a:rPr lang="en-US" sz="1200" b="1" dirty="0" smtClean="0">
-                <a:solidFill>
-                  <a:srgbClr val="008774"/>
-                </a:solidFill>
-                <a:latin typeface="Courier New"/>
-                <a:cs typeface="Courier New"/>
-              </a:rPr>
-              <a:t>cloud-</a:t>
-            </a:r>
-            <a:r>
-              <a:rPr lang="en-US" sz="1200" b="1" dirty="0">
-                <a:solidFill>
-                  <a:srgbClr val="008774"/>
-                </a:solidFill>
-                <a:latin typeface="Courier New"/>
-                <a:cs typeface="Courier New"/>
-              </a:rPr>
-              <a:t>starter</a:t>
-            </a:r>
-            <a:r>
-              <a:rPr lang="en-US" sz="1200" b="1" dirty="0" smtClean="0">
-                <a:solidFill>
-                  <a:srgbClr val="008774"/>
-                </a:solidFill>
-                <a:latin typeface="Courier New"/>
-                <a:cs typeface="Courier New"/>
-              </a:rPr>
-              <a:t>-</a:t>
-            </a:r>
-            <a:r>
-              <a:rPr lang="en-US" sz="1200" b="1" dirty="0" err="1" smtClean="0">
-                <a:solidFill>
-                  <a:srgbClr val="008774"/>
-                </a:solidFill>
-                <a:latin typeface="Courier New"/>
-                <a:cs typeface="Courier New"/>
-              </a:rPr>
-              <a:t>hystrix</a:t>
-            </a:r>
-            <a:r>
-              <a:rPr lang="en-US" sz="1200" b="1" dirty="0" smtClean="0">
-                <a:solidFill>
-                  <a:srgbClr val="008774"/>
-                </a:solidFill>
-                <a:latin typeface="Courier New"/>
-                <a:cs typeface="Courier New"/>
-              </a:rPr>
-              <a:t>&lt;/artifactId</a:t>
-            </a:r>
-            <a:r>
-              <a:rPr lang="en-US" sz="1200" b="1" dirty="0">
-                <a:solidFill>
-                  <a:srgbClr val="008774"/>
-                </a:solidFill>
-                <a:latin typeface="Courier New"/>
-                <a:cs typeface="Courier New"/>
-              </a:rPr>
-              <a:t>&gt;</a:t>
-            </a:r>
-          </a:p>
-          <a:p>
-            <a:r>
-              <a:rPr lang="en-US" sz="1200" b="1" dirty="0">
-                <a:solidFill>
-                  <a:srgbClr val="008774"/>
-                </a:solidFill>
-                <a:latin typeface="Courier New"/>
-                <a:cs typeface="Courier New"/>
-              </a:rPr>
-              <a:t>&lt;/dependency&gt;</a:t>
-            </a:r>
-          </a:p>
-          <a:p>
-            <a:endParaRPr lang="en-US" sz="1200" dirty="0"/>
-          </a:p>
-        </p:txBody>
-      </p:sp>
+      </p:pic>
     </p:spTree>
     <p:extLst>
       <p:ext uri="{BB962C8B-B14F-4D97-AF65-F5344CB8AC3E}">

--- a/presentations/103 - Intro to Spring Cloud Services/Session_8_Circuit_Breaker.pptx
+++ b/presentations/103 - Intro to Spring Cloud Services/Session_8_Circuit_Breaker.pptx
@@ -242,7 +242,7 @@
           <a:p>
             <a:fld id="{372E5B6B-8713-8747-AE5B-F1241B2BF5F0}" type="datetimeFigureOut">
               <a:rPr lang="en-US" smtClean="0"/>
-              <a:t>10/3/17</a:t>
+              <a:t>10/12/17</a:t>
             </a:fld>
             <a:endParaRPr lang="en-US"/>
           </a:p>
@@ -408,7 +408,7 @@
           <a:p>
             <a:fld id="{7E7B7340-DDD5-1B49-81AA-25BC4050C073}" type="datetimeFigureOut">
               <a:rPr lang="en-US" smtClean="0"/>
-              <a:t>10/3/17</a:t>
+              <a:t>10/12/17</a:t>
             </a:fld>
             <a:endParaRPr lang="en-US"/>
           </a:p>
@@ -7758,30 +7758,6 @@
           </a:p>
         </p:txBody>
       </p:sp>
-      <p:pic>
-        <p:nvPicPr>
-          <p:cNvPr id="9" name="Picture 8"/>
-          <p:cNvPicPr>
-            <a:picLocks noChangeAspect="1"/>
-          </p:cNvPicPr>
-          <p:nvPr/>
-        </p:nvPicPr>
-        <p:blipFill>
-          <a:blip r:embed="rId5"/>
-          <a:stretch>
-            <a:fillRect/>
-          </a:stretch>
-        </p:blipFill>
-        <p:spPr>
-          <a:xfrm>
-            <a:off x="7159812" y="318603"/>
-            <a:ext cx="1652494" cy="435864"/>
-          </a:xfrm>
-          <a:prstGeom prst="rect">
-            <a:avLst/>
-          </a:prstGeom>
-        </p:spPr>
-      </p:pic>
     </p:spTree>
     <p:extLst>
       <p:ext uri="{BB962C8B-B14F-4D97-AF65-F5344CB8AC3E}">

--- a/presentations/103 - Intro to Spring Cloud Services/Session_8_Circuit_Breaker.pptx
+++ b/presentations/103 - Intro to Spring Cloud Services/Session_8_Circuit_Breaker.pptx
@@ -242,7 +242,7 @@
           <a:p>
             <a:fld id="{372E5B6B-8713-8747-AE5B-F1241B2BF5F0}" type="datetimeFigureOut">
               <a:rPr lang="en-US" smtClean="0"/>
-              <a:t>10/12/17</a:t>
+              <a:t>10/3/17</a:t>
             </a:fld>
             <a:endParaRPr lang="en-US"/>
           </a:p>
@@ -408,7 +408,7 @@
           <a:p>
             <a:fld id="{7E7B7340-DDD5-1B49-81AA-25BC4050C073}" type="datetimeFigureOut">
               <a:rPr lang="en-US" smtClean="0"/>
-              <a:t>10/12/17</a:t>
+              <a:t>10/3/17</a:t>
             </a:fld>
             <a:endParaRPr lang="en-US"/>
           </a:p>
@@ -7758,6 +7758,30 @@
           </a:p>
         </p:txBody>
       </p:sp>
+      <p:pic>
+        <p:nvPicPr>
+          <p:cNvPr id="9" name="Picture 8"/>
+          <p:cNvPicPr>
+            <a:picLocks noChangeAspect="1"/>
+          </p:cNvPicPr>
+          <p:nvPr/>
+        </p:nvPicPr>
+        <p:blipFill>
+          <a:blip r:embed="rId5"/>
+          <a:stretch>
+            <a:fillRect/>
+          </a:stretch>
+        </p:blipFill>
+        <p:spPr>
+          <a:xfrm>
+            <a:off x="7159812" y="318603"/>
+            <a:ext cx="1652494" cy="435864"/>
+          </a:xfrm>
+          <a:prstGeom prst="rect">
+            <a:avLst/>
+          </a:prstGeom>
+        </p:spPr>
+      </p:pic>
     </p:spTree>
     <p:extLst>
       <p:ext uri="{BB962C8B-B14F-4D97-AF65-F5344CB8AC3E}">

--- a/presentations/103 - Intro to Spring Cloud Services/Session_8_Circuit_Breaker.pptx
+++ b/presentations/103 - Intro to Spring Cloud Services/Session_8_Circuit_Breaker.pptx
@@ -242,7 +242,7 @@
           <a:p>
             <a:fld id="{372E5B6B-8713-8747-AE5B-F1241B2BF5F0}" type="datetimeFigureOut">
               <a:rPr lang="en-US" smtClean="0"/>
-              <a:t>10/12/17</a:t>
+              <a:t>10/22/18</a:t>
             </a:fld>
             <a:endParaRPr lang="en-US"/>
           </a:p>
@@ -408,7 +408,7 @@
           <a:p>
             <a:fld id="{7E7B7340-DDD5-1B49-81AA-25BC4050C073}" type="datetimeFigureOut">
               <a:rPr lang="en-US" smtClean="0"/>
-              <a:t>10/12/17</a:t>
+              <a:t>10/22/18</a:t>
             </a:fld>
             <a:endParaRPr lang="en-US"/>
           </a:p>
@@ -472,38 +472,37 @@
           <a:p>
             <a:pPr lvl="0"/>
             <a:r>
-              <a:rPr lang="en-US" smtClean="0"/>
+              <a:rPr lang="en-US"/>
               <a:t>Click to edit Master text styles</a:t>
             </a:r>
           </a:p>
           <a:p>
             <a:pPr lvl="1"/>
             <a:r>
-              <a:rPr lang="en-US" smtClean="0"/>
+              <a:rPr lang="en-US"/>
               <a:t>Second level</a:t>
             </a:r>
           </a:p>
           <a:p>
             <a:pPr lvl="2"/>
             <a:r>
-              <a:rPr lang="en-US" smtClean="0"/>
+              <a:rPr lang="en-US"/>
               <a:t>Third level</a:t>
             </a:r>
           </a:p>
           <a:p>
             <a:pPr lvl="3"/>
             <a:r>
-              <a:rPr lang="en-US" smtClean="0"/>
+              <a:rPr lang="en-US"/>
               <a:t>Fourth level</a:t>
             </a:r>
           </a:p>
           <a:p>
             <a:pPr lvl="4"/>
             <a:r>
-              <a:rPr lang="en-US" smtClean="0"/>
+              <a:rPr lang="en-US"/>
               <a:t>Fifth level</a:t>
             </a:r>
-            <a:endParaRPr lang="en-US"/>
           </a:p>
         </p:txBody>
       </p:sp>
@@ -722,11 +721,11 @@
           <a:lstStyle/>
           <a:p>
             <a:r>
-              <a:rPr lang="en-US" dirty="0" smtClean="0"/>
+              <a:rPr lang="en-US" dirty="0"/>
               <a:t>Resting slide</a:t>
             </a:r>
             <a:r>
-              <a:rPr lang="en-US" baseline="0" dirty="0" smtClean="0"/>
+              <a:rPr lang="en-US" baseline="0" dirty="0"/>
               <a:t> on screen before you begin presenting.</a:t>
             </a:r>
             <a:endParaRPr lang="en-US" dirty="0"/>
@@ -969,22 +968,21 @@
           <a:lstStyle/>
           <a:p>
             <a:r>
-              <a:rPr lang="en-US" dirty="0" smtClean="0"/>
+              <a:rPr lang="en-US" dirty="0"/>
               <a:t>Service Discovery is one of the key tenets of a microservice based architecture.</a:t>
             </a:r>
           </a:p>
           <a:p>
             <a:r>
-              <a:rPr lang="en-US" dirty="0" smtClean="0"/>
+              <a:rPr lang="en-US" dirty="0"/>
               <a:t>In distributed systems, application dependencies cease to be a method call away.</a:t>
             </a:r>
           </a:p>
           <a:p>
             <a:r>
-              <a:rPr lang="en-US" dirty="0" smtClean="0"/>
+              <a:rPr lang="en-US" dirty="0"/>
               <a:t>Trying to hand configure each client or use some form of convention can be very difficult to do and can be very brittle.</a:t>
             </a:r>
-            <a:endParaRPr lang="en-US" dirty="0"/>
           </a:p>
         </p:txBody>
       </p:sp>
@@ -1069,22 +1067,21 @@
           <a:lstStyle/>
           <a:p>
             <a:r>
-              <a:rPr lang="en-US" dirty="0" smtClean="0"/>
+              <a:rPr lang="en-US" dirty="0"/>
               <a:t>Service Discovery is one of the key tenets of a microservice based architecture.</a:t>
             </a:r>
           </a:p>
           <a:p>
             <a:r>
-              <a:rPr lang="en-US" dirty="0" smtClean="0"/>
+              <a:rPr lang="en-US" dirty="0"/>
               <a:t>In distributed systems, application dependencies cease to be a method call away.</a:t>
             </a:r>
           </a:p>
           <a:p>
             <a:r>
-              <a:rPr lang="en-US" dirty="0" smtClean="0"/>
+              <a:rPr lang="en-US" dirty="0"/>
               <a:t>Trying to hand configure each client or use some form of convention can be very difficult to do and can be very brittle.</a:t>
             </a:r>
-            <a:endParaRPr lang="en-US" dirty="0"/>
           </a:p>
         </p:txBody>
       </p:sp>
@@ -2489,10 +2486,9 @@
           </a:lstStyle>
           <a:p>
             <a:r>
-              <a:rPr lang="en-US" dirty="0" smtClean="0"/>
+              <a:rPr lang="en-US" dirty="0"/>
               <a:t>CLICK TO EDIT MASTER TITLE STYLE</a:t>
             </a:r>
-            <a:endParaRPr lang="en-US" dirty="0"/>
           </a:p>
         </p:txBody>
       </p:sp>
@@ -2567,35 +2563,35 @@
           <a:p>
             <a:pPr lvl="0"/>
             <a:r>
-              <a:rPr lang="en-US" smtClean="0"/>
+              <a:rPr lang="en-US"/>
               <a:t>Click to edit Master text styles</a:t>
             </a:r>
           </a:p>
           <a:p>
             <a:pPr lvl="1"/>
             <a:r>
-              <a:rPr lang="en-US" smtClean="0"/>
+              <a:rPr lang="en-US"/>
               <a:t>Second level</a:t>
             </a:r>
           </a:p>
           <a:p>
             <a:pPr lvl="2"/>
             <a:r>
-              <a:rPr lang="en-US" smtClean="0"/>
+              <a:rPr lang="en-US"/>
               <a:t>Third level</a:t>
             </a:r>
           </a:p>
           <a:p>
             <a:pPr lvl="3"/>
             <a:r>
-              <a:rPr lang="en-US" smtClean="0"/>
+              <a:rPr lang="en-US"/>
               <a:t>Fourth level</a:t>
             </a:r>
           </a:p>
           <a:p>
             <a:pPr lvl="4"/>
             <a:r>
-              <a:rPr lang="en-US" smtClean="0"/>
+              <a:rPr lang="en-US"/>
               <a:t>Fifth level</a:t>
             </a:r>
             <a:endParaRPr lang="en-US" dirty="0"/>
@@ -2674,7 +2670,7 @@
           <a:p>
             <a:pPr algn="l"/>
             <a:r>
-              <a:rPr lang="en-US" sz="600" dirty="0" smtClean="0">
+              <a:rPr lang="en-US" sz="600" dirty="0">
                 <a:solidFill>
                   <a:schemeClr val="bg1">
                     <a:lumMod val="50000"/>
@@ -2686,7 +2682,7 @@
               <a:t>© Copyright 2015 Pivotal.</a:t>
             </a:r>
             <a:r>
-              <a:rPr lang="en-US" sz="600" baseline="0" dirty="0" smtClean="0">
+              <a:rPr lang="en-US" sz="600" baseline="0" dirty="0">
                 <a:solidFill>
                   <a:schemeClr val="bg1">
                     <a:lumMod val="50000"/>
@@ -2698,7 +2694,7 @@
               <a:t> </a:t>
             </a:r>
             <a:r>
-              <a:rPr lang="en-US" sz="600" dirty="0" smtClean="0">
+              <a:rPr lang="en-US" sz="600" dirty="0">
                 <a:solidFill>
                   <a:schemeClr val="bg1">
                     <a:lumMod val="50000"/>
@@ -2709,15 +2705,6 @@
               </a:rPr>
               <a:t>All rights reserved.</a:t>
             </a:r>
-            <a:endParaRPr lang="en-US" sz="600" dirty="0">
-              <a:solidFill>
-                <a:schemeClr val="bg1">
-                  <a:lumMod val="50000"/>
-                </a:schemeClr>
-              </a:solidFill>
-              <a:latin typeface="Arial"/>
-              <a:cs typeface="Arial"/>
-            </a:endParaRPr>
           </a:p>
         </p:txBody>
       </p:sp>
@@ -2790,13 +2777,6 @@
   <p:clrMapOvr>
     <a:masterClrMapping/>
   </p:clrMapOvr>
-  <p:timing>
-    <p:tnLst>
-      <p:par>
-        <p:cTn id="1" dur="indefinite" restart="never" nodeType="tmRoot"/>
-      </p:par>
-    </p:tnLst>
-  </p:timing>
 </p:sldLayout>
 </file>
 
@@ -3152,10 +3132,9 @@
           </a:lstStyle>
           <a:p>
             <a:r>
-              <a:rPr lang="en-US" dirty="0" smtClean="0"/>
+              <a:rPr lang="en-US" dirty="0"/>
               <a:t>Click to edit Master title style</a:t>
             </a:r>
-            <a:endParaRPr lang="en-US" dirty="0"/>
           </a:p>
         </p:txBody>
       </p:sp>
@@ -3251,10 +3230,9 @@
           <a:p>
             <a:pPr lvl="0"/>
             <a:r>
-              <a:rPr lang="en-US" dirty="0" smtClean="0"/>
+              <a:rPr lang="en-US" dirty="0"/>
               <a:t>Click to edit Master</a:t>
             </a:r>
-            <a:endParaRPr lang="en-US" dirty="0"/>
           </a:p>
         </p:txBody>
       </p:sp>
@@ -3318,13 +3296,6 @@
   <p:clrMapOvr>
     <a:masterClrMapping/>
   </p:clrMapOvr>
-  <p:timing>
-    <p:tnLst>
-      <p:par>
-        <p:cTn id="1" dur="indefinite" restart="never" nodeType="tmRoot"/>
-      </p:par>
-    </p:tnLst>
-  </p:timing>
 </p:sldLayout>
 </file>
 
@@ -3496,13 +3467,6 @@
   <p:clrMapOvr>
     <a:masterClrMapping/>
   </p:clrMapOvr>
-  <p:timing>
-    <p:tnLst>
-      <p:par>
-        <p:cTn id="1" dur="indefinite" restart="never" nodeType="tmRoot"/>
-      </p:par>
-    </p:tnLst>
-  </p:timing>
 </p:sldLayout>
 </file>
 
@@ -3589,13 +3553,6 @@
   <p:clrMapOvr>
     <a:masterClrMapping/>
   </p:clrMapOvr>
-  <p:timing>
-    <p:tnLst>
-      <p:par>
-        <p:cTn id="1" dur="indefinite" restart="never" nodeType="tmRoot"/>
-      </p:par>
-    </p:tnLst>
-  </p:timing>
 </p:sldLayout>
 </file>
 
@@ -3654,10 +3611,9 @@
           </a:lstStyle>
           <a:p>
             <a:r>
-              <a:rPr lang="en-US" dirty="0" smtClean="0"/>
+              <a:rPr lang="en-US" dirty="0"/>
               <a:t>Click to Edit Master Title Style</a:t>
             </a:r>
-            <a:endParaRPr lang="en-US" dirty="0"/>
           </a:p>
         </p:txBody>
       </p:sp>
@@ -3674,13 +3630,6 @@
   <p:transition>
     <p:fade/>
   </p:transition>
-  <p:timing>
-    <p:tnLst>
-      <p:par>
-        <p:cTn id="1" dur="indefinite" restart="never" nodeType="tmRoot"/>
-      </p:par>
-    </p:tnLst>
-  </p:timing>
 </p:sldLayout>
 </file>
 
@@ -5067,10 +5016,9 @@
           </a:lstStyle>
           <a:p>
             <a:r>
-              <a:rPr lang="en-US" dirty="0" smtClean="0"/>
+              <a:rPr lang="en-US" dirty="0"/>
               <a:t>Click to edit Master title style</a:t>
             </a:r>
-            <a:endParaRPr lang="en-US" dirty="0"/>
           </a:p>
         </p:txBody>
       </p:sp>
@@ -5166,10 +5114,9 @@
           <a:p>
             <a:pPr lvl="0"/>
             <a:r>
-              <a:rPr lang="en-US" dirty="0" smtClean="0"/>
+              <a:rPr lang="en-US" dirty="0"/>
               <a:t>Click to edit Master</a:t>
             </a:r>
-            <a:endParaRPr lang="en-US" dirty="0"/>
           </a:p>
         </p:txBody>
       </p:sp>
@@ -5183,13 +5130,6 @@
   <p:clrMapOvr>
     <a:masterClrMapping/>
   </p:clrMapOvr>
-  <p:timing>
-    <p:tnLst>
-      <p:par>
-        <p:cTn id="1" dur="indefinite" restart="never" nodeType="tmRoot"/>
-      </p:par>
-    </p:tnLst>
-  </p:timing>
 </p:sldLayout>
 </file>
 
@@ -5361,13 +5301,6 @@
   <p:clrMapOvr>
     <a:masterClrMapping/>
   </p:clrMapOvr>
-  <p:timing>
-    <p:tnLst>
-      <p:par>
-        <p:cTn id="1" dur="indefinite" restart="never" nodeType="tmRoot"/>
-      </p:par>
-    </p:tnLst>
-  </p:timing>
 </p:sldLayout>
 </file>
 
@@ -5454,13 +5387,6 @@
   <p:clrMapOvr>
     <a:masterClrMapping/>
   </p:clrMapOvr>
-  <p:timing>
-    <p:tnLst>
-      <p:par>
-        <p:cTn id="1" dur="indefinite" restart="never" nodeType="tmRoot"/>
-      </p:par>
-    </p:tnLst>
-  </p:timing>
 </p:sldLayout>
 </file>
 
@@ -5519,10 +5445,9 @@
           </a:lstStyle>
           <a:p>
             <a:r>
-              <a:rPr lang="en-US" dirty="0" smtClean="0"/>
+              <a:rPr lang="en-US" dirty="0"/>
               <a:t>Click to Edit Master Title Style</a:t>
             </a:r>
-            <a:endParaRPr lang="en-US" dirty="0"/>
           </a:p>
         </p:txBody>
       </p:sp>
@@ -5539,13 +5464,6 @@
   <p:transition>
     <p:fade/>
   </p:transition>
-  <p:timing>
-    <p:tnLst>
-      <p:par>
-        <p:cTn id="1" dur="indefinite" restart="never" nodeType="tmRoot"/>
-      </p:par>
-    </p:tnLst>
-  </p:timing>
 </p:sldLayout>
 </file>
 
@@ -6918,13 +6836,6 @@
     <p:sldLayoutId id="2147483734" r:id="rId8"/>
     <p:sldLayoutId id="2147483735" r:id="rId9"/>
   </p:sldLayoutIdLst>
-  <p:timing>
-    <p:tnLst>
-      <p:par>
-        <p:cTn id="1" dur="indefinite" restart="never" nodeType="tmRoot"/>
-      </p:par>
-    </p:tnLst>
-  </p:timing>
   <p:hf hdr="0" ftr="0" dt="0"/>
   <p:txStyles>
     <p:titleStyle>
@@ -7251,13 +7162,6 @@
     <p:sldLayoutId id="2147483730" r:id="rId6"/>
     <p:sldLayoutId id="2147483731" r:id="rId7"/>
   </p:sldLayoutIdLst>
-  <p:timing>
-    <p:tnLst>
-      <p:par>
-        <p:cTn id="1" dur="indefinite" restart="never" nodeType="tmRoot"/>
-      </p:par>
-    </p:tnLst>
-  </p:timing>
   <p:hf hdr="0" ftr="0" dt="0"/>
   <p:txStyles>
     <p:titleStyle>
@@ -7670,7 +7574,7 @@
               </a:spcAft>
             </a:pPr>
             <a:r>
-              <a:rPr lang="en-US" sz="4200" b="1" spc="-100" dirty="0" smtClean="0">
+              <a:rPr lang="en-US" sz="4200" b="1" spc="-100" dirty="0">
                 <a:solidFill>
                   <a:srgbClr val="00AE9E"/>
                 </a:solidFill>
@@ -7727,7 +7631,7 @@
               </a:spcAft>
             </a:pPr>
             <a:r>
-              <a:rPr lang="en-US" sz="2800" spc="-100" dirty="0" smtClean="0">
+              <a:rPr lang="en-US" sz="2800" spc="-100" dirty="0">
                 <a:solidFill>
                   <a:schemeClr val="bg1"/>
                 </a:solidFill>
@@ -7742,19 +7646,6 @@
               </a:rPr>
               <a:t>Spring Cloud Netflix – Circuit Breakers and Fault Tolerance</a:t>
             </a:r>
-            <a:endParaRPr lang="en-US" sz="2800" spc="-100" dirty="0">
-              <a:solidFill>
-                <a:schemeClr val="bg1"/>
-              </a:solidFill>
-              <a:effectLst>
-                <a:outerShdw blurRad="50800" dist="38100" dir="5400000" algn="t" rotWithShape="0">
-                  <a:prstClr val="black">
-                    <a:alpha val="40000"/>
-                  </a:prstClr>
-                </a:outerShdw>
-              </a:effectLst>
-              <a:cs typeface="Arial"/>
-            </a:endParaRPr>
           </a:p>
         </p:txBody>
       </p:sp>
@@ -7768,13 +7659,6 @@
   <p:clrMapOvr>
     <a:masterClrMapping/>
   </p:clrMapOvr>
-  <p:timing>
-    <p:tnLst>
-      <p:par>
-        <p:cTn id="1" dur="indefinite" restart="never" nodeType="tmRoot"/>
-      </p:par>
-    </p:tnLst>
-  </p:timing>
 </p:sld>
 </file>
 
@@ -7816,7 +7700,7 @@
           <a:lstStyle/>
           <a:p>
             <a:r>
-              <a:rPr lang="en-US" dirty="0" smtClean="0"/>
+              <a:rPr lang="en-US" dirty="0"/>
               <a:t>Spring Cloud Services: Hystrix Dashboard</a:t>
             </a:r>
             <a:endParaRPr lang="en-US" dirty="0">
@@ -7854,7 +7738,7 @@
               <a:buChar char="•"/>
             </a:pPr>
             <a:r>
-              <a:rPr lang="en-US" dirty="0" smtClean="0">
+              <a:rPr lang="en-US" dirty="0">
                 <a:solidFill>
                   <a:srgbClr val="FFFFFF"/>
                 </a:solidFill>
@@ -7879,7 +7763,7 @@
               <a:buChar char="•"/>
             </a:pPr>
             <a:r>
-              <a:rPr lang="en-US" dirty="0" smtClean="0">
+              <a:rPr lang="en-US" dirty="0">
                 <a:solidFill>
                   <a:srgbClr val="FFFFFF"/>
                 </a:solidFill>
@@ -7904,7 +7788,7 @@
               <a:buChar char="•"/>
             </a:pPr>
             <a:r>
-              <a:rPr lang="en-US" dirty="0" smtClean="0">
+              <a:rPr lang="en-US" dirty="0">
                 <a:solidFill>
                   <a:srgbClr val="FFFFFF"/>
                 </a:solidFill>
@@ -7914,7 +7798,7 @@
           </a:p>
           <a:p>
             <a:pPr lvl="0" fontAlgn="base"/>
-            <a:endParaRPr lang="en-US" sz="1200" dirty="0" smtClean="0">
+            <a:endParaRPr lang="en-US" sz="1200" dirty="0">
               <a:solidFill>
                 <a:srgbClr val="FFFFFF"/>
               </a:solidFill>
@@ -7958,36 +7842,6 @@
           </a:prstGeom>
         </p:spPr>
       </p:pic>
-      <p:pic>
-        <p:nvPicPr>
-          <p:cNvPr id="3" name="Picture 2"/>
-          <p:cNvPicPr>
-            <a:picLocks noChangeAspect="1"/>
-          </p:cNvPicPr>
-          <p:nvPr/>
-        </p:nvPicPr>
-        <p:blipFill>
-          <a:blip r:embed="rId4">
-            <a:extLst>
-              <a:ext uri="{28A0092B-C50C-407E-A947-70E740481C1C}">
-                <a14:useLocalDpi xmlns:a14="http://schemas.microsoft.com/office/drawing/2010/main" val="0"/>
-              </a:ext>
-            </a:extLst>
-          </a:blip>
-          <a:stretch>
-            <a:fillRect/>
-          </a:stretch>
-        </p:blipFill>
-        <p:spPr>
-          <a:xfrm>
-            <a:off x="497840" y="3243591"/>
-            <a:ext cx="5008880" cy="549361"/>
-          </a:xfrm>
-          <a:prstGeom prst="rect">
-            <a:avLst/>
-          </a:prstGeom>
-        </p:spPr>
-      </p:pic>
     </p:spTree>
     <p:extLst>
       <p:ext uri="{BB962C8B-B14F-4D97-AF65-F5344CB8AC3E}">
@@ -7998,21 +7852,6 @@
   <p:clrMapOvr>
     <a:masterClrMapping/>
   </p:clrMapOvr>
-  <mc:AlternateContent xmlns:mc="http://schemas.openxmlformats.org/markup-compatibility/2006" xmlns:p14="http://schemas.microsoft.com/office/powerpoint/2010/main">
-    <mc:Choice Requires="p14">
-      <p:transition spd="slow" p14:dur="2000"/>
-    </mc:Choice>
-    <mc:Fallback xmlns="">
-      <p:transition xmlns:p14="http://schemas.microsoft.com/office/powerpoint/2010/main" spd="slow"/>
-    </mc:Fallback>
-  </mc:AlternateContent>
-  <p:timing>
-    <p:tnLst>
-      <p:par>
-        <p:cTn id="1" dur="indefinite" restart="never" nodeType="tmRoot"/>
-      </p:par>
-    </p:tnLst>
-  </p:timing>
 </p:sld>
 </file>
 
@@ -8361,7 +8200,7 @@
               <a:buSzPct val="25000"/>
             </a:pPr>
             <a:r>
-              <a:rPr lang="en-US" b="1" cap="all" dirty="0" smtClean="0">
+              <a:rPr lang="en-US" b="1" cap="all" dirty="0">
                 <a:solidFill>
                   <a:srgbClr val="74CEC7"/>
                 </a:solidFill>
@@ -8386,21 +8225,6 @@
   <p:clrMapOvr>
     <a:masterClrMapping/>
   </p:clrMapOvr>
-  <mc:AlternateContent xmlns:mc="http://schemas.openxmlformats.org/markup-compatibility/2006" xmlns:p14="http://schemas.microsoft.com/office/powerpoint/2010/main">
-    <mc:Choice Requires="p14">
-      <p:transition p14:dur="0"/>
-    </mc:Choice>
-    <mc:Fallback xmlns="">
-      <p:transition xmlns:p14="http://schemas.microsoft.com/office/powerpoint/2010/main"/>
-    </mc:Fallback>
-  </mc:AlternateContent>
-  <p:timing>
-    <p:tnLst>
-      <p:par>
-        <p:cTn id="1" dur="indefinite" restart="never" nodeType="tmRoot"/>
-      </p:par>
-    </p:tnLst>
-  </p:timing>
 </p:sld>
 </file>
 
@@ -8437,10 +8261,9 @@
           <a:lstStyle/>
           <a:p>
             <a:r>
-              <a:rPr lang="en-US" dirty="0" smtClean="0"/>
+              <a:rPr lang="en-US" dirty="0"/>
               <a:t>Fault Tolerance</a:t>
             </a:r>
-            <a:endParaRPr lang="en-US" dirty="0"/>
           </a:p>
         </p:txBody>
       </p:sp>
@@ -8461,11 +8284,7 @@
           <a:p>
             <a:r>
               <a:rPr lang="en-US" sz="1800" dirty="0"/>
-              <a:t>One failure must not cause a cascading failure across the entire system</a:t>
-            </a:r>
-            <a:r>
-              <a:rPr lang="en-US" sz="1800" dirty="0" smtClean="0"/>
-              <a:t>.</a:t>
+              <a:t>One failure must not cause a cascading failure across the entire system.</a:t>
             </a:r>
           </a:p>
           <a:p>
@@ -8477,47 +8296,23 @@
           <a:p>
             <a:r>
               <a:rPr lang="en-US" sz="1800" dirty="0"/>
-              <a:t>For example, for an application that depends on 30 services where each service has 99.99% uptime, here is what you can expect</a:t>
-            </a:r>
-            <a:r>
-              <a:rPr lang="en-US" sz="1800" dirty="0" smtClean="0"/>
-              <a:t>:</a:t>
+              <a:t>For example, for an application that depends on 30 services where each service has 99.99% uptime, here is what you can expect:</a:t>
             </a:r>
             <a:br>
-              <a:rPr lang="en-US" sz="1800" dirty="0" smtClean="0"/>
+              <a:rPr lang="en-US" sz="1800" dirty="0"/>
             </a:br>
             <a:r>
-              <a:rPr lang="en-US" sz="1600" dirty="0" smtClean="0">
+              <a:rPr lang="en-US" sz="1600" dirty="0">
                 <a:solidFill>
                   <a:schemeClr val="accent2"/>
                 </a:solidFill>
                 <a:latin typeface="Courier New"/>
                 <a:cs typeface="Courier New"/>
               </a:rPr>
-              <a:t>  99.99</a:t>
-            </a:r>
-            <a:r>
+              <a:t>  99.99^30 = 99.7% uptime</a:t>
+            </a:r>
+            <a:br>
               <a:rPr lang="en-US" sz="1600" dirty="0">
-                <a:solidFill>
-                  <a:schemeClr val="accent2"/>
-                </a:solidFill>
-                <a:latin typeface="Courier New"/>
-                <a:cs typeface="Courier New"/>
-              </a:rPr>
-              <a:t>^30 = 99.7% </a:t>
-            </a:r>
-            <a:r>
-              <a:rPr lang="en-US" sz="1600" dirty="0" smtClean="0">
-                <a:solidFill>
-                  <a:schemeClr val="accent2"/>
-                </a:solidFill>
-                <a:latin typeface="Courier New"/>
-                <a:cs typeface="Courier New"/>
-              </a:rPr>
-              <a:t>uptime</a:t>
-            </a:r>
-            <a:br>
-              <a:rPr lang="en-US" sz="1600" dirty="0" smtClean="0">
                 <a:solidFill>
                   <a:schemeClr val="accent2"/>
                 </a:solidFill>
@@ -8526,37 +8321,17 @@
               </a:rPr>
             </a:br>
             <a:r>
-              <a:rPr lang="en-US" sz="1600" dirty="0" smtClean="0">
+              <a:rPr lang="en-US" sz="1600" dirty="0">
                 <a:solidFill>
                   <a:schemeClr val="accent2"/>
                 </a:solidFill>
                 <a:latin typeface="Courier New"/>
                 <a:cs typeface="Courier New"/>
               </a:rPr>
-              <a:t>  </a:t>
-            </a:r>
-            <a:r>
+              <a:t>  0.3% of 1 billion requests = 3,000,000 failures  </a:t>
+            </a:r>
+            <a:br>
               <a:rPr lang="en-US" sz="1600" dirty="0">
-                <a:solidFill>
-                  <a:schemeClr val="accent2"/>
-                </a:solidFill>
-                <a:latin typeface="Courier New"/>
-                <a:cs typeface="Courier New"/>
-              </a:rPr>
-              <a:t>0.3% of 1 billion requests = 3,000,000 failures  </a:t>
-            </a:r>
-            <a:r>
-              <a:rPr lang="en-US" sz="1600" dirty="0" smtClean="0">
-                <a:solidFill>
-                  <a:schemeClr val="accent2"/>
-                </a:solidFill>
-                <a:latin typeface="Courier New"/>
-                <a:cs typeface="Courier New"/>
-              </a:rPr>
-              <a:t/>
-            </a:r>
-            <a:br>
-              <a:rPr lang="en-US" sz="1600" dirty="0" smtClean="0">
                 <a:solidFill>
                   <a:schemeClr val="accent2"/>
                 </a:solidFill>
@@ -8565,34 +8340,14 @@
               </a:rPr>
             </a:br>
             <a:r>
-              <a:rPr lang="en-US" sz="1600" dirty="0" smtClean="0">
+              <a:rPr lang="en-US" sz="1600" dirty="0">
                 <a:solidFill>
                   <a:schemeClr val="accent2"/>
                 </a:solidFill>
                 <a:latin typeface="Courier New"/>
                 <a:cs typeface="Courier New"/>
               </a:rPr>
-              <a:t>  2</a:t>
-            </a:r>
-            <a:r>
-              <a:rPr lang="en-US" sz="1600" dirty="0">
-                <a:solidFill>
-                  <a:schemeClr val="accent2"/>
-                </a:solidFill>
-                <a:latin typeface="Courier New"/>
-                <a:cs typeface="Courier New"/>
-              </a:rPr>
-              <a:t>+ hours downtime/month </a:t>
-            </a:r>
-            <a:r>
-              <a:rPr lang="en-US" sz="1600" dirty="0" smtClean="0">
-                <a:solidFill>
-                  <a:schemeClr val="accent2"/>
-                </a:solidFill>
-                <a:latin typeface="Courier New"/>
-                <a:cs typeface="Courier New"/>
-              </a:rPr>
-              <a:t>if </a:t>
+              <a:t>  2+ hours downtime/month if </a:t>
             </a:r>
             <a:r>
               <a:rPr lang="en-US" sz="1600" b="1" i="1" u="sng" dirty="0">
@@ -8612,41 +8367,20 @@
                 <a:latin typeface="Courier New"/>
                 <a:cs typeface="Courier New"/>
               </a:rPr>
-              <a:t> dependencies </a:t>
-            </a:r>
-            <a:r>
-              <a:rPr lang="en-US" sz="1600" dirty="0" smtClean="0">
-                <a:solidFill>
-                  <a:schemeClr val="accent2"/>
-                </a:solidFill>
-                <a:latin typeface="Courier New"/>
-                <a:cs typeface="Courier New"/>
-              </a:rPr>
-              <a:t>have 99.99%</a:t>
-            </a:r>
-            <a:r>
-              <a:rPr lang="en-US" sz="1800" dirty="0" smtClean="0">
-                <a:latin typeface="Courier New"/>
-                <a:cs typeface="Courier New"/>
-              </a:rPr>
-              <a:t/>
+              <a:t> dependencies have 99.99%</a:t>
             </a:r>
             <a:br>
-              <a:rPr lang="en-US" sz="1800" dirty="0" smtClean="0">
+              <a:rPr lang="en-US" sz="1800" dirty="0">
                 <a:latin typeface="Courier New"/>
                 <a:cs typeface="Courier New"/>
               </a:rPr>
             </a:br>
-            <a:endParaRPr lang="en-US" sz="1800" dirty="0" smtClean="0"/>
-          </a:p>
-          <a:p>
-            <a:r>
-              <a:rPr lang="en-US" sz="1800" dirty="0" smtClean="0"/>
-              <a:t>Reality </a:t>
-            </a:r>
+            <a:endParaRPr lang="en-US" sz="1800" dirty="0"/>
+          </a:p>
+          <a:p>
             <a:r>
               <a:rPr lang="en-US" sz="1800" dirty="0"/>
-              <a:t>is </a:t>
+              <a:t>Reality is </a:t>
             </a:r>
             <a:r>
               <a:rPr lang="en-US" sz="1800" i="1" dirty="0"/>
@@ -8654,14 +8388,10 @@
             </a:r>
             <a:r>
               <a:rPr lang="en-US" sz="1800" dirty="0"/>
-              <a:t> worse</a:t>
-            </a:r>
-            <a:r>
-              <a:rPr lang="en-US" sz="1800" dirty="0" smtClean="0"/>
-              <a:t>.</a:t>
+              <a:t> worse.</a:t>
             </a:r>
             <a:br>
-              <a:rPr lang="en-US" sz="1800" dirty="0" smtClean="0"/>
+              <a:rPr lang="en-US" sz="1800" dirty="0"/>
             </a:br>
             <a:endParaRPr lang="en-US" sz="1800" dirty="0"/>
           </a:p>
@@ -8702,13 +8432,6 @@
   <p:clrMapOvr>
     <a:masterClrMapping/>
   </p:clrMapOvr>
-  <p:timing>
-    <p:tnLst>
-      <p:par>
-        <p:cTn id="1" dur="indefinite" restart="never" nodeType="tmRoot"/>
-      </p:par>
-    </p:tnLst>
-  </p:timing>
 </p:sld>
 </file>
 
@@ -8745,10 +8468,9 @@
           <a:lstStyle/>
           <a:p>
             <a:r>
-              <a:rPr lang="en-US" dirty="0" smtClean="0"/>
+              <a:rPr lang="en-US" dirty="0"/>
               <a:t>Distributed Systems Failures</a:t>
             </a:r>
-            <a:endParaRPr lang="en-US" dirty="0"/>
           </a:p>
         </p:txBody>
       </p:sp>
@@ -9038,10 +8760,9 @@
           <a:lstStyle/>
           <a:p>
             <a:r>
-              <a:rPr lang="en-US" dirty="0" smtClean="0"/>
+              <a:rPr lang="en-US" dirty="0"/>
               <a:t>Circuit Breaker Pattern</a:t>
             </a:r>
-            <a:endParaRPr lang="en-US" dirty="0"/>
           </a:p>
         </p:txBody>
       </p:sp>
@@ -9079,13 +8800,6 @@
   <p:clrMapOvr>
     <a:masterClrMapping/>
   </p:clrMapOvr>
-  <p:timing>
-    <p:tnLst>
-      <p:par>
-        <p:cTn id="1" dur="indefinite" restart="never" nodeType="tmRoot"/>
-      </p:par>
-    </p:tnLst>
-  </p:timing>
 </p:sld>
 </file>
 
@@ -9122,7 +8836,7 @@
           <a:lstStyle/>
           <a:p>
             <a:r>
-              <a:rPr lang="en-US" dirty="0" smtClean="0"/>
+              <a:rPr lang="en-US" dirty="0"/>
               <a:t>Implementing Circuit Breakers</a:t>
             </a:r>
             <a:endParaRPr lang="en-US" dirty="0">
@@ -9165,22 +8879,12 @@
                 <a:latin typeface="Courier New"/>
                 <a:cs typeface="Courier New"/>
               </a:rPr>
-              <a:t>@</a:t>
-            </a:r>
-            <a:r>
-              <a:rPr lang="en-US" sz="1200" b="1" dirty="0" smtClean="0">
-                <a:solidFill>
-                  <a:srgbClr val="008774"/>
-                </a:solidFill>
-                <a:latin typeface="Courier New"/>
-                <a:cs typeface="Courier New"/>
-              </a:rPr>
-              <a:t>SpringBootApplication</a:t>
-            </a:r>
-          </a:p>
-          <a:p>
-            <a:r>
-              <a:rPr lang="en-US" sz="1200" b="1" dirty="0" smtClean="0">
+              <a:t>@SpringBootApplication</a:t>
+            </a:r>
+          </a:p>
+          <a:p>
+            <a:r>
+              <a:rPr lang="en-US" sz="1200" b="1" dirty="0">
                 <a:solidFill>
                   <a:srgbClr val="008774"/>
                 </a:solidFill>
@@ -9192,7 +8896,7 @@
           </a:p>
           <a:p>
             <a:r>
-              <a:rPr lang="en-US" sz="1200" b="1" dirty="0" smtClean="0">
+              <a:rPr lang="en-US" sz="1200" b="1" dirty="0">
                 <a:solidFill>
                   <a:srgbClr val="008774"/>
                 </a:solidFill>
@@ -9201,7 +8905,7 @@
               </a:rPr>
               <a:t>@EnableCircuitBreaker</a:t>
             </a:r>
-            <a:endParaRPr lang="en-US" sz="1200" b="1" dirty="0" smtClean="0">
+            <a:endParaRPr lang="en-US" sz="1200" b="1" dirty="0">
               <a:solidFill>
                 <a:srgbClr val="FF0000"/>
               </a:solidFill>
@@ -9211,27 +8915,17 @@
           </a:p>
           <a:p>
             <a:r>
-              <a:rPr lang="en-US" sz="1200" dirty="0" smtClean="0">
+              <a:rPr lang="en-US" sz="1200" dirty="0">
                 <a:solidFill>
                   <a:srgbClr val="C0504D"/>
                 </a:solidFill>
                 <a:latin typeface="Courier New"/>
                 <a:cs typeface="Courier New"/>
               </a:rPr>
-              <a:t>public </a:t>
+              <a:t>public class </a:t>
             </a:r>
             <a:r>
               <a:rPr lang="en-US" sz="1200" dirty="0">
-                <a:solidFill>
-                  <a:srgbClr val="C0504D"/>
-                </a:solidFill>
-                <a:latin typeface="Courier New"/>
-                <a:cs typeface="Courier New"/>
-              </a:rPr>
-              <a:t>class </a:t>
-            </a:r>
-            <a:r>
-              <a:rPr lang="en-US" sz="1200" dirty="0" smtClean="0">
                 <a:solidFill>
                   <a:schemeClr val="accent3"/>
                 </a:solidFill>
@@ -9241,7 +8935,7 @@
               <a:t>MyClientApp</a:t>
             </a:r>
             <a:r>
-              <a:rPr lang="en-US" sz="1200" dirty="0" smtClean="0">
+              <a:rPr lang="en-US" sz="1200" dirty="0">
                 <a:latin typeface="Courier New"/>
                 <a:cs typeface="Courier New"/>
               </a:rPr>
@@ -9250,7 +8944,7 @@
           </a:p>
           <a:p>
             <a:r>
-              <a:rPr lang="en-US" sz="1200" dirty="0" smtClean="0">
+              <a:rPr lang="en-US" sz="1200" dirty="0">
                 <a:latin typeface="Courier New"/>
                 <a:cs typeface="Courier New"/>
               </a:rPr>
@@ -9300,40 +8994,19 @@
                 <a:latin typeface="Courier New"/>
                 <a:cs typeface="Courier New"/>
               </a:rPr>
-              <a:t>(String[] </a:t>
-            </a:r>
-            <a:r>
-              <a:rPr lang="en-US" sz="1200" dirty="0" smtClean="0">
-                <a:latin typeface="Courier New"/>
-                <a:cs typeface="Courier New"/>
-              </a:rPr>
-              <a:t>args</a:t>
-            </a:r>
+              <a:t>(String[] args) {</a:t>
+            </a:r>
+          </a:p>
+          <a:p>
             <a:r>
               <a:rPr lang="en-US" sz="1200" dirty="0">
                 <a:latin typeface="Courier New"/>
                 <a:cs typeface="Courier New"/>
               </a:rPr>
-              <a:t>) </a:t>
-            </a:r>
-            <a:r>
-              <a:rPr lang="en-US" sz="1200" dirty="0" smtClean="0">
-                <a:latin typeface="Courier New"/>
-                <a:cs typeface="Courier New"/>
-              </a:rPr>
-              <a:t>{</a:t>
-            </a:r>
-          </a:p>
-          <a:p>
-            <a:r>
-              <a:rPr lang="en-US" sz="1200" dirty="0" smtClean="0">
-                <a:latin typeface="Courier New"/>
-                <a:cs typeface="Courier New"/>
-              </a:rPr>
               <a:t>     SpringApplication.run(MyClientApp</a:t>
             </a:r>
             <a:r>
-              <a:rPr lang="en-US" sz="1200" dirty="0" smtClean="0">
+              <a:rPr lang="en-US" sz="1200" dirty="0">
                 <a:solidFill>
                   <a:srgbClr val="1F6FB8"/>
                 </a:solidFill>
@@ -9343,30 +9016,16 @@
               <a:t>.class</a:t>
             </a:r>
             <a:r>
-              <a:rPr lang="en-US" sz="1200" dirty="0" smtClean="0">
-                <a:latin typeface="Courier New"/>
-                <a:cs typeface="Courier New"/>
-              </a:rPr>
-              <a:t>, </a:t>
-            </a:r>
-            <a:r>
               <a:rPr lang="en-US" sz="1200" dirty="0">
                 <a:latin typeface="Courier New"/>
                 <a:cs typeface="Courier New"/>
               </a:rPr>
-              <a:t>args)</a:t>
-            </a:r>
-            <a:r>
-              <a:rPr lang="en-US" sz="1200" dirty="0" smtClean="0">
-                <a:latin typeface="Courier New"/>
-                <a:cs typeface="Courier New"/>
-              </a:rPr>
-              <a:t>;</a:t>
-            </a:r>
-          </a:p>
-          <a:p>
-            <a:r>
-              <a:rPr lang="en-US" sz="1200" dirty="0" smtClean="0">
+              <a:t>, args);</a:t>
+            </a:r>
+          </a:p>
+          <a:p>
+            <a:r>
+              <a:rPr lang="en-US" sz="1200" dirty="0">
                 <a:latin typeface="Courier New"/>
                 <a:cs typeface="Courier New"/>
               </a:rPr>
@@ -9375,16 +9034,12 @@
           </a:p>
           <a:p>
             <a:r>
-              <a:rPr lang="en-US" sz="1200" dirty="0" smtClean="0">
+              <a:rPr lang="en-US" sz="1200" dirty="0">
                 <a:latin typeface="Courier New"/>
                 <a:cs typeface="Courier New"/>
               </a:rPr>
               <a:t>}</a:t>
             </a:r>
-            <a:endParaRPr lang="en-US" sz="1200" dirty="0">
-              <a:latin typeface="Courier New"/>
-              <a:cs typeface="Courier New"/>
-            </a:endParaRPr>
           </a:p>
         </p:txBody>
       </p:sp>
@@ -9411,7 +9066,7 @@
           <a:lstStyle/>
           <a:p>
             <a:r>
-              <a:rPr lang="en-US" sz="1200" b="1" dirty="0" smtClean="0">
+              <a:rPr lang="en-US" sz="1200" b="1" dirty="0">
                 <a:solidFill>
                   <a:srgbClr val="FF0000"/>
                 </a:solidFill>
@@ -9419,18 +9074,7 @@
                 <a:cs typeface="Courier New"/>
                 <a:sym typeface="Wingdings"/>
               </a:rPr>
-              <a:t> </a:t>
-            </a:r>
-            <a:r>
-              <a:rPr lang="en-US" sz="1200" b="1" dirty="0">
-                <a:solidFill>
-                  <a:srgbClr val="FF0000"/>
-                </a:solidFill>
-                <a:latin typeface="Courier New"/>
-                <a:cs typeface="Courier New"/>
-                <a:sym typeface="Wingdings"/>
-              </a:rPr>
-              <a:t>MAGIC!!</a:t>
+              <a:t> MAGIC!!</a:t>
             </a:r>
             <a:endParaRPr lang="en-US" sz="1200" b="1" dirty="0">
               <a:solidFill>
@@ -9486,28 +9130,28 @@
       </p:cxnSp>
       <p:pic>
         <p:nvPicPr>
-          <p:cNvPr id="3" name="Picture 2"/>
+          <p:cNvPr id="9" name="Picture 8">
+            <a:extLst>
+              <a:ext uri="{FF2B5EF4-FFF2-40B4-BE49-F238E27FC236}">
+                <a16:creationId xmlns:a16="http://schemas.microsoft.com/office/drawing/2014/main" id="{67455ED0-E007-D746-B87D-1EA8CF64CF0C}"/>
+              </a:ext>
+            </a:extLst>
+          </p:cNvPr>
           <p:cNvPicPr>
             <a:picLocks noChangeAspect="1"/>
           </p:cNvPicPr>
           <p:nvPr/>
         </p:nvPicPr>
         <p:blipFill>
-          <a:blip r:embed="rId3">
-            <a:extLst>
-              <a:ext uri="{28A0092B-C50C-407E-A947-70E740481C1C}">
-                <a14:useLocalDpi xmlns:a14="http://schemas.microsoft.com/office/drawing/2010/main" val="0"/>
-              </a:ext>
-            </a:extLst>
-          </a:blip>
+          <a:blip r:embed="rId3"/>
           <a:stretch>
             <a:fillRect/>
           </a:stretch>
         </p:blipFill>
         <p:spPr>
           <a:xfrm>
-            <a:off x="1229360" y="3296861"/>
-            <a:ext cx="5783580" cy="787647"/>
+            <a:off x="1865283" y="3296861"/>
+            <a:ext cx="5311833" cy="499099"/>
           </a:xfrm>
           <a:prstGeom prst="rect">
             <a:avLst/>
@@ -9524,21 +9168,6 @@
   <p:clrMapOvr>
     <a:masterClrMapping/>
   </p:clrMapOvr>
-  <mc:AlternateContent xmlns:mc="http://schemas.openxmlformats.org/markup-compatibility/2006" xmlns:p14="http://schemas.microsoft.com/office/powerpoint/2010/main">
-    <mc:Choice Requires="p14">
-      <p:transition spd="slow" p14:dur="2000"/>
-    </mc:Choice>
-    <mc:Fallback xmlns="">
-      <p:transition xmlns:p14="http://schemas.microsoft.com/office/powerpoint/2010/main" spd="slow"/>
-    </mc:Fallback>
-  </mc:AlternateContent>
-  <p:timing>
-    <p:tnLst>
-      <p:par>
-        <p:cTn id="1" dur="indefinite" restart="never" nodeType="tmRoot"/>
-      </p:par>
-    </p:tnLst>
-  </p:timing>
 </p:sld>
 </file>
 
@@ -9575,7 +9204,7 @@
           <a:lstStyle/>
           <a:p>
             <a:r>
-              <a:rPr lang="en-US" dirty="0" smtClean="0"/>
+              <a:rPr lang="en-US" dirty="0"/>
               <a:t>@HystrixCommand</a:t>
             </a:r>
             <a:endParaRPr lang="en-US" dirty="0">
@@ -9611,7 +9240,7 @@
           <a:lstStyle/>
           <a:p>
             <a:r>
-              <a:rPr lang="en-US" sz="1200" b="1" dirty="0" smtClean="0">
+              <a:rPr lang="en-US" sz="1200" b="1" dirty="0">
                 <a:solidFill>
                   <a:schemeClr val="accent1"/>
                 </a:solidFill>
@@ -9623,24 +9252,14 @@
           </a:p>
           <a:p>
             <a:r>
-              <a:rPr lang="en-US" sz="1200" dirty="0" smtClean="0">
+              <a:rPr lang="en-US" sz="1200" dirty="0">
                 <a:solidFill>
                   <a:srgbClr val="C0504D"/>
                 </a:solidFill>
                 <a:latin typeface="Courier New"/>
                 <a:cs typeface="Courier New"/>
               </a:rPr>
-              <a:t>public </a:t>
-            </a:r>
-            <a:r>
-              <a:rPr lang="en-US" sz="1200" dirty="0">
-                <a:solidFill>
-                  <a:srgbClr val="C0504D"/>
-                </a:solidFill>
-                <a:latin typeface="Courier New"/>
-                <a:cs typeface="Courier New"/>
-              </a:rPr>
-              <a:t>class </a:t>
+              <a:t>public class </a:t>
             </a:r>
             <a:r>
               <a:rPr lang="en-US" sz="1200" dirty="0">
@@ -9665,7 +9284,7 @@
               <a:t> </a:t>
             </a:r>
             <a:r>
-              <a:rPr lang="en-US" sz="1200" dirty="0" smtClean="0">
+              <a:rPr lang="en-US" sz="1200" dirty="0">
                 <a:latin typeface="Courier New"/>
                 <a:cs typeface="Courier New"/>
               </a:rPr>
@@ -9680,7 +9299,7 @@
           </a:p>
           <a:p>
             <a:r>
-              <a:rPr lang="en-US" sz="1200" dirty="0" smtClean="0">
+              <a:rPr lang="en-US" sz="1200" dirty="0">
                 <a:solidFill>
                   <a:srgbClr val="008774"/>
                 </a:solidFill>
@@ -9690,37 +9309,17 @@
               <a:t>   </a:t>
             </a:r>
             <a:r>
-              <a:rPr lang="en-US" sz="1200" b="1" dirty="0" smtClean="0">
+              <a:rPr lang="en-US" sz="1200" b="1" dirty="0">
                 <a:solidFill>
                   <a:srgbClr val="008774"/>
                 </a:solidFill>
                 <a:latin typeface="Courier New"/>
                 <a:cs typeface="Courier New"/>
               </a:rPr>
-              <a:t>@</a:t>
+              <a:t>@HystrixCommand(fallbackMethod = "defaultFortune"</a:t>
             </a:r>
             <a:r>
               <a:rPr lang="en-US" sz="1200" b="1" dirty="0">
-                <a:solidFill>
-                  <a:srgbClr val="008774"/>
-                </a:solidFill>
-                <a:latin typeface="Courier New"/>
-                <a:cs typeface="Courier New"/>
-              </a:rPr>
-              <a:t>HystrixCommand(fallbackMethod = "defaultFortune</a:t>
-            </a:r>
-            <a:r>
-              <a:rPr lang="en-US" sz="1200" b="1" dirty="0" smtClean="0">
-                <a:solidFill>
-                  <a:srgbClr val="008774"/>
-                </a:solidFill>
-                <a:latin typeface="Courier New"/>
-                <a:cs typeface="Courier New"/>
-              </a:rPr>
-              <a:t>"</a:t>
-            </a:r>
-            <a:r>
-              <a:rPr lang="en-US" sz="1200" b="1" dirty="0" smtClean="0">
                 <a:solidFill>
                   <a:srgbClr val="016B54"/>
                 </a:solidFill>
@@ -9732,7 +9331,7 @@
           </a:p>
           <a:p>
             <a:r>
-              <a:rPr lang="en-US" sz="1200" b="1" dirty="0" smtClean="0">
+              <a:rPr lang="en-US" sz="1200" b="1" dirty="0">
                 <a:solidFill>
                   <a:srgbClr val="016B54"/>
                 </a:solidFill>
@@ -9742,7 +9341,7 @@
               <a:t>      </a:t>
             </a:r>
             <a:r>
-              <a:rPr lang="en-US" sz="1200" b="1" dirty="0" smtClean="0">
+              <a:rPr lang="en-US" sz="1200" b="1" dirty="0">
                 <a:solidFill>
                   <a:srgbClr val="008774"/>
                 </a:solidFill>
@@ -9754,7 +9353,7 @@
           </a:p>
           <a:p>
             <a:r>
-              <a:rPr lang="en-US" sz="1200" b="1" dirty="0" smtClean="0">
+              <a:rPr lang="en-US" sz="1200" b="1" dirty="0">
                 <a:solidFill>
                   <a:srgbClr val="008774"/>
                 </a:solidFill>
@@ -9771,30 +9370,10 @@
                 <a:latin typeface="Courier New"/>
                 <a:cs typeface="Courier New"/>
               </a:rPr>
-              <a:t>name="</a:t>
-            </a:r>
-            <a:r>
-              <a:rPr lang="en-US" sz="1000" b="1" dirty="0" smtClean="0">
-                <a:solidFill>
-                  <a:srgbClr val="008774"/>
-                </a:solidFill>
-                <a:latin typeface="Courier New"/>
-                <a:cs typeface="Courier New"/>
-              </a:rPr>
-              <a:t>execution.isolation.thread.timeoutInMilliseconds”, value</a:t>
-            </a:r>
-            <a:r>
-              <a:rPr lang="en-US" sz="1000" b="1" dirty="0">
-                <a:solidFill>
-                  <a:srgbClr val="008774"/>
-                </a:solidFill>
-                <a:latin typeface="Courier New"/>
-                <a:cs typeface="Courier New"/>
-              </a:rPr>
-              <a:t>="500"</a:t>
-            </a:r>
-            <a:r>
-              <a:rPr lang="en-US" sz="1200" b="1" dirty="0" smtClean="0">
+              <a:t>name="execution.isolation.thread.timeoutInMilliseconds”, value="500"</a:t>
+            </a:r>
+            <a:r>
+              <a:rPr lang="en-US" sz="1200" b="1" dirty="0">
                 <a:solidFill>
                   <a:srgbClr val="008774"/>
                 </a:solidFill>
@@ -9813,17 +9392,7 @@
                 <a:latin typeface="Courier New"/>
                 <a:cs typeface="Courier New"/>
               </a:rPr>
-              <a:t> </a:t>
-            </a:r>
-            <a:r>
-              <a:rPr lang="en-US" sz="1200" b="1" dirty="0" smtClean="0">
-                <a:solidFill>
-                  <a:srgbClr val="008774"/>
-                </a:solidFill>
-                <a:latin typeface="Courier New"/>
-                <a:cs typeface="Courier New"/>
-              </a:rPr>
-              <a:t>     }) </a:t>
+              <a:t>      }) </a:t>
             </a:r>
             <a:r>
               <a:rPr lang="en-US" sz="1200" b="1" dirty="0">
@@ -9835,21 +9404,177 @@
               </a:rPr>
               <a:t> </a:t>
             </a:r>
-            <a:endParaRPr lang="en-US" sz="1200" b="1" dirty="0" smtClean="0">
-              <a:solidFill>
-                <a:srgbClr val="016B54"/>
-              </a:solidFill>
+          </a:p>
+          <a:p>
+            <a:r>
+              <a:rPr lang="en-US" sz="1200" dirty="0">
+                <a:latin typeface="Courier New"/>
+                <a:cs typeface="Courier New"/>
+              </a:rPr>
+              <a:t>   </a:t>
+            </a:r>
+            <a:r>
+              <a:rPr lang="en-US" sz="1200" dirty="0">
+                <a:solidFill>
+                  <a:srgbClr val="C0504D"/>
+                </a:solidFill>
+                <a:latin typeface="Courier New"/>
+                <a:cs typeface="Courier New"/>
+              </a:rPr>
+              <a:t>public</a:t>
+            </a:r>
+            <a:r>
+              <a:rPr lang="en-US" sz="1200" dirty="0">
+                <a:latin typeface="Courier New"/>
+                <a:cs typeface="Courier New"/>
+              </a:rPr>
+              <a:t> String </a:t>
+            </a:r>
+            <a:r>
+              <a:rPr lang="en-US" sz="1200" dirty="0">
+                <a:solidFill>
+                  <a:srgbClr val="523059"/>
+                </a:solidFill>
+                <a:latin typeface="Courier New"/>
+                <a:cs typeface="Courier New"/>
+              </a:rPr>
+              <a:t>getFortune</a:t>
+            </a:r>
+            <a:r>
+              <a:rPr lang="en-US" sz="1200" dirty="0">
+                <a:latin typeface="Courier New"/>
+                <a:cs typeface="Courier New"/>
+              </a:rPr>
+              <a:t>() {</a:t>
+            </a:r>
+          </a:p>
+          <a:p>
+            <a:r>
+              <a:rPr lang="en-US" sz="1200" dirty="0">
+                <a:latin typeface="Courier New"/>
+                <a:cs typeface="Courier New"/>
+              </a:rPr>
+              <a:t>  	</a:t>
+            </a:r>
+            <a:r>
+              <a:rPr lang="en-US" sz="1200" dirty="0">
+                <a:solidFill>
+                  <a:srgbClr val="C0504D"/>
+                </a:solidFill>
+                <a:latin typeface="Courier New"/>
+                <a:cs typeface="Courier New"/>
+              </a:rPr>
+              <a:t>return</a:t>
+            </a:r>
+            <a:r>
+              <a:rPr lang="en-US" sz="1200" dirty="0">
+                <a:latin typeface="Courier New"/>
+                <a:cs typeface="Courier New"/>
+              </a:rPr>
+              <a:t> restTemplate.getForObject("http://fortune-service", String.class);</a:t>
+            </a:r>
+          </a:p>
+          <a:p>
+            <a:r>
+              <a:rPr lang="en-US" sz="1200" dirty="0">
+                <a:latin typeface="Courier New"/>
+                <a:cs typeface="Courier New"/>
+              </a:rPr>
+              <a:t>   }</a:t>
+            </a:r>
+          </a:p>
+          <a:p>
+            <a:endParaRPr lang="en-US" sz="1200" dirty="0">
               <a:latin typeface="Courier New"/>
               <a:cs typeface="Courier New"/>
             </a:endParaRPr>
           </a:p>
           <a:p>
             <a:r>
-              <a:rPr lang="en-US" sz="1200" dirty="0" smtClean="0">
+              <a:rPr lang="en-US" sz="1200" dirty="0">
                 <a:latin typeface="Courier New"/>
                 <a:cs typeface="Courier New"/>
               </a:rPr>
-              <a:t> </a:t>
+              <a:t>   </a:t>
+            </a:r>
+            <a:r>
+              <a:rPr lang="en-US" sz="1200" dirty="0">
+                <a:solidFill>
+                  <a:srgbClr val="C0504D"/>
+                </a:solidFill>
+                <a:latin typeface="Courier New"/>
+                <a:cs typeface="Courier New"/>
+              </a:rPr>
+              <a:t>public</a:t>
+            </a:r>
+            <a:r>
+              <a:rPr lang="en-US" sz="1200" dirty="0">
+                <a:latin typeface="Courier New"/>
+                <a:cs typeface="Courier New"/>
+              </a:rPr>
+              <a:t> String </a:t>
+            </a:r>
+            <a:r>
+              <a:rPr lang="en-US" sz="1200" dirty="0">
+                <a:solidFill>
+                  <a:srgbClr val="523059"/>
+                </a:solidFill>
+                <a:latin typeface="Courier New"/>
+                <a:cs typeface="Courier New"/>
+              </a:rPr>
+              <a:t>defaultFortune</a:t>
+            </a:r>
+            <a:r>
+              <a:rPr lang="en-US" sz="1200" dirty="0">
+                <a:latin typeface="Courier New"/>
+                <a:cs typeface="Courier New"/>
+              </a:rPr>
+              <a:t>() {</a:t>
+            </a:r>
+          </a:p>
+          <a:p>
+            <a:r>
+              <a:rPr lang="en-US" sz="1200" dirty="0">
+                <a:latin typeface="Courier New"/>
+                <a:cs typeface="Courier New"/>
+              </a:rPr>
+              <a:t>     logger.debug(</a:t>
+            </a:r>
+            <a:r>
+              <a:rPr lang="en-US" sz="1200" dirty="0">
+                <a:solidFill>
+                  <a:srgbClr val="1F6FB8"/>
+                </a:solidFill>
+                <a:latin typeface="Courier New"/>
+                <a:cs typeface="Courier New"/>
+              </a:rPr>
+              <a:t>"Default fortune used."</a:t>
+            </a:r>
+            <a:r>
+              <a:rPr lang="en-US" sz="1200" dirty="0">
+                <a:latin typeface="Courier New"/>
+                <a:cs typeface="Courier New"/>
+              </a:rPr>
+              <a:t>);</a:t>
+            </a:r>
+          </a:p>
+          <a:p>
+            <a:r>
+              <a:rPr lang="en-US" sz="1200" dirty="0">
+                <a:latin typeface="Courier New"/>
+                <a:cs typeface="Courier New"/>
+              </a:rPr>
+              <a:t> 	</a:t>
+            </a:r>
+            <a:r>
+              <a:rPr lang="en-US" sz="1200" dirty="0">
+                <a:solidFill>
+                  <a:srgbClr val="C0504D"/>
+                </a:solidFill>
+                <a:latin typeface="Courier New"/>
+                <a:cs typeface="Courier New"/>
+              </a:rPr>
+              <a:t>return</a:t>
             </a:r>
             <a:r>
               <a:rPr lang="en-US" sz="1200" dirty="0">
@@ -9859,328 +9584,39 @@
               <a:t> </a:t>
             </a:r>
             <a:r>
-              <a:rPr lang="en-US" sz="1200" dirty="0" smtClean="0">
+              <a:rPr lang="en-US" sz="1200" dirty="0">
+                <a:solidFill>
+                  <a:srgbClr val="1F6FB8"/>
+                </a:solidFill>
                 <a:latin typeface="Courier New"/>
                 <a:cs typeface="Courier New"/>
               </a:rPr>
-              <a:t> </a:t>
-            </a:r>
-            <a:r>
-              <a:rPr lang="en-US" sz="1200" dirty="0" smtClean="0">
-                <a:solidFill>
-                  <a:srgbClr val="C0504D"/>
-                </a:solidFill>
-                <a:latin typeface="Courier New"/>
-                <a:cs typeface="Courier New"/>
-              </a:rPr>
-              <a:t>public</a:t>
-            </a:r>
-            <a:r>
-              <a:rPr lang="en-US" sz="1200" dirty="0" smtClean="0">
-                <a:latin typeface="Courier New"/>
-                <a:cs typeface="Courier New"/>
-              </a:rPr>
-              <a:t> </a:t>
+              <a:t>"This fortune is no good. Try another."</a:t>
             </a:r>
             <a:r>
               <a:rPr lang="en-US" sz="1200" dirty="0">
                 <a:latin typeface="Courier New"/>
                 <a:cs typeface="Courier New"/>
               </a:rPr>
-              <a:t>String </a:t>
-            </a:r>
-            <a:r>
-              <a:rPr lang="en-US" sz="1200" dirty="0">
-                <a:solidFill>
-                  <a:srgbClr val="523059"/>
-                </a:solidFill>
-                <a:latin typeface="Courier New"/>
-                <a:cs typeface="Courier New"/>
-              </a:rPr>
-              <a:t>getFortune</a:t>
-            </a:r>
+              <a:t>;</a:t>
+            </a:r>
+          </a:p>
+          <a:p>
             <a:r>
               <a:rPr lang="en-US" sz="1200" dirty="0">
                 <a:latin typeface="Courier New"/>
                 <a:cs typeface="Courier New"/>
               </a:rPr>
-              <a:t>() </a:t>
-            </a:r>
-            <a:r>
-              <a:rPr lang="en-US" sz="1200" dirty="0" smtClean="0">
-                <a:latin typeface="Courier New"/>
-                <a:cs typeface="Courier New"/>
-              </a:rPr>
-              <a:t>{</a:t>
-            </a:r>
-          </a:p>
-          <a:p>
-            <a:r>
-              <a:rPr lang="en-US" sz="1200" dirty="0" smtClean="0">
-                <a:latin typeface="Courier New"/>
-                <a:cs typeface="Courier New"/>
-              </a:rPr>
-              <a:t>  </a:t>
-            </a:r>
+              <a:t>   }</a:t>
+            </a:r>
+          </a:p>
+          <a:p>
             <a:r>
               <a:rPr lang="en-US" sz="1200" dirty="0">
                 <a:latin typeface="Courier New"/>
                 <a:cs typeface="Courier New"/>
               </a:rPr>
-              <a:t>	</a:t>
-            </a:r>
-            <a:r>
-              <a:rPr lang="en-US" sz="1200" dirty="0" smtClean="0">
-                <a:solidFill>
-                  <a:srgbClr val="C0504D"/>
-                </a:solidFill>
-                <a:latin typeface="Courier New"/>
-                <a:cs typeface="Courier New"/>
-              </a:rPr>
-              <a:t>return</a:t>
-            </a:r>
-            <a:r>
-              <a:rPr lang="en-US" sz="1200" dirty="0" smtClean="0">
-                <a:latin typeface="Courier New"/>
-                <a:cs typeface="Courier New"/>
-              </a:rPr>
-              <a:t> restTemplate.getForObject(</a:t>
-            </a:r>
-            <a:r>
-              <a:rPr lang="en-US" sz="1200" dirty="0">
-                <a:latin typeface="Courier New"/>
-                <a:cs typeface="Courier New"/>
-              </a:rPr>
-              <a:t>"http://fortune-service", String.class)</a:t>
-            </a:r>
-            <a:r>
-              <a:rPr lang="en-US" sz="1200" dirty="0" smtClean="0">
-                <a:latin typeface="Courier New"/>
-                <a:cs typeface="Courier New"/>
-              </a:rPr>
-              <a:t>;</a:t>
-            </a:r>
-          </a:p>
-          <a:p>
-            <a:r>
-              <a:rPr lang="en-US" sz="1200" dirty="0">
-                <a:latin typeface="Courier New"/>
-                <a:cs typeface="Courier New"/>
-              </a:rPr>
-              <a:t> </a:t>
-            </a:r>
-            <a:r>
-              <a:rPr lang="en-US" sz="1200" dirty="0" smtClean="0">
-                <a:latin typeface="Courier New"/>
-                <a:cs typeface="Courier New"/>
-              </a:rPr>
-              <a:t>  }</a:t>
-            </a:r>
-          </a:p>
-          <a:p>
-            <a:endParaRPr lang="en-US" sz="1200" dirty="0">
-              <a:latin typeface="Courier New"/>
-              <a:cs typeface="Courier New"/>
-            </a:endParaRPr>
-          </a:p>
-          <a:p>
-            <a:r>
-              <a:rPr lang="en-US" sz="1200" dirty="0" smtClean="0">
-                <a:latin typeface="Courier New"/>
-                <a:cs typeface="Courier New"/>
-              </a:rPr>
-              <a:t>  </a:t>
-            </a:r>
-            <a:r>
-              <a:rPr lang="en-US" sz="1200" dirty="0">
-                <a:latin typeface="Courier New"/>
-                <a:cs typeface="Courier New"/>
-              </a:rPr>
-              <a:t> </a:t>
-            </a:r>
-            <a:r>
-              <a:rPr lang="en-US" sz="1200" dirty="0" smtClean="0">
-                <a:solidFill>
-                  <a:srgbClr val="C0504D"/>
-                </a:solidFill>
-                <a:latin typeface="Courier New"/>
-                <a:cs typeface="Courier New"/>
-              </a:rPr>
-              <a:t>public</a:t>
-            </a:r>
-            <a:r>
-              <a:rPr lang="en-US" sz="1200" dirty="0" smtClean="0">
-                <a:latin typeface="Courier New"/>
-                <a:cs typeface="Courier New"/>
-              </a:rPr>
-              <a:t> </a:t>
-            </a:r>
-            <a:r>
-              <a:rPr lang="en-US" sz="1200" dirty="0">
-                <a:latin typeface="Courier New"/>
-                <a:cs typeface="Courier New"/>
-              </a:rPr>
-              <a:t>String </a:t>
-            </a:r>
-            <a:r>
-              <a:rPr lang="en-US" sz="1200" dirty="0">
-                <a:solidFill>
-                  <a:srgbClr val="523059"/>
-                </a:solidFill>
-                <a:latin typeface="Courier New"/>
-                <a:cs typeface="Courier New"/>
-              </a:rPr>
-              <a:t>defaultFortune</a:t>
-            </a:r>
-            <a:r>
-              <a:rPr lang="en-US" sz="1200" dirty="0">
-                <a:latin typeface="Courier New"/>
-                <a:cs typeface="Courier New"/>
-              </a:rPr>
-              <a:t>(</a:t>
-            </a:r>
-            <a:r>
-              <a:rPr lang="en-US" sz="1200" dirty="0" smtClean="0">
-                <a:latin typeface="Courier New"/>
-                <a:cs typeface="Courier New"/>
-              </a:rPr>
-              <a:t>) {</a:t>
-            </a:r>
-          </a:p>
-          <a:p>
-            <a:r>
-              <a:rPr lang="en-US" sz="1200" dirty="0" smtClean="0">
-                <a:latin typeface="Courier New"/>
-                <a:cs typeface="Courier New"/>
-              </a:rPr>
-              <a:t> </a:t>
-            </a:r>
-            <a:r>
-              <a:rPr lang="en-US" sz="1200" dirty="0">
-                <a:latin typeface="Courier New"/>
-                <a:cs typeface="Courier New"/>
-              </a:rPr>
-              <a:t> </a:t>
-            </a:r>
-            <a:r>
-              <a:rPr lang="en-US" sz="1200" dirty="0" smtClean="0">
-                <a:latin typeface="Courier New"/>
-                <a:cs typeface="Courier New"/>
-              </a:rPr>
-              <a:t>   logger.debug</a:t>
-            </a:r>
-            <a:r>
-              <a:rPr lang="en-US" sz="1200" dirty="0">
-                <a:latin typeface="Courier New"/>
-                <a:cs typeface="Courier New"/>
-              </a:rPr>
-              <a:t>(</a:t>
-            </a:r>
-            <a:r>
-              <a:rPr lang="en-US" sz="1200" dirty="0">
-                <a:solidFill>
-                  <a:srgbClr val="1F6FB8"/>
-                </a:solidFill>
-                <a:latin typeface="Courier New"/>
-                <a:cs typeface="Courier New"/>
-              </a:rPr>
-              <a:t>"Default fortune used."</a:t>
-            </a:r>
-            <a:r>
-              <a:rPr lang="en-US" sz="1200" dirty="0">
-                <a:latin typeface="Courier New"/>
-                <a:cs typeface="Courier New"/>
-              </a:rPr>
-              <a:t>)</a:t>
-            </a:r>
-            <a:r>
-              <a:rPr lang="en-US" sz="1200" dirty="0" smtClean="0">
-                <a:latin typeface="Courier New"/>
-                <a:cs typeface="Courier New"/>
-              </a:rPr>
-              <a:t>;</a:t>
-            </a:r>
-          </a:p>
-          <a:p>
-            <a:r>
-              <a:rPr lang="en-US" sz="1200" dirty="0" smtClean="0">
-                <a:latin typeface="Courier New"/>
-                <a:cs typeface="Courier New"/>
-              </a:rPr>
-              <a:t> </a:t>
-            </a:r>
-            <a:r>
-              <a:rPr lang="en-US" sz="1200" dirty="0">
-                <a:latin typeface="Courier New"/>
-                <a:cs typeface="Courier New"/>
-              </a:rPr>
-              <a:t>	</a:t>
-            </a:r>
-            <a:r>
-              <a:rPr lang="en-US" sz="1200" dirty="0" smtClean="0">
-                <a:solidFill>
-                  <a:srgbClr val="C0504D"/>
-                </a:solidFill>
-                <a:latin typeface="Courier New"/>
-                <a:cs typeface="Courier New"/>
-              </a:rPr>
-              <a:t>return</a:t>
-            </a:r>
-            <a:r>
-              <a:rPr lang="en-US" sz="1200" dirty="0" smtClean="0">
-                <a:latin typeface="Courier New"/>
-                <a:cs typeface="Courier New"/>
-              </a:rPr>
-              <a:t> </a:t>
-            </a:r>
-            <a:r>
-              <a:rPr lang="en-US" sz="1200" dirty="0">
-                <a:solidFill>
-                  <a:srgbClr val="1F6FB8"/>
-                </a:solidFill>
-                <a:latin typeface="Courier New"/>
-                <a:cs typeface="Courier New"/>
-              </a:rPr>
-              <a:t>"This fortune is no good. Try another."</a:t>
-            </a:r>
-            <a:r>
-              <a:rPr lang="en-US" sz="1200" dirty="0" smtClean="0">
-                <a:latin typeface="Courier New"/>
-                <a:cs typeface="Courier New"/>
-              </a:rPr>
-              <a:t>;</a:t>
-            </a:r>
-          </a:p>
-          <a:p>
-            <a:r>
-              <a:rPr lang="en-US" sz="1200" dirty="0">
-                <a:latin typeface="Courier New"/>
-                <a:cs typeface="Courier New"/>
-              </a:rPr>
-              <a:t> </a:t>
-            </a:r>
-            <a:r>
-              <a:rPr lang="en-US" sz="1200" dirty="0" smtClean="0">
-                <a:latin typeface="Courier New"/>
-                <a:cs typeface="Courier New"/>
-              </a:rPr>
-              <a:t>  }</a:t>
-            </a:r>
-          </a:p>
-          <a:p>
-            <a:r>
-              <a:rPr lang="en-US" sz="1200" dirty="0" smtClean="0">
-                <a:latin typeface="Courier New"/>
-                <a:cs typeface="Courier New"/>
-              </a:rPr>
-              <a:t> </a:t>
-            </a:r>
-            <a:r>
-              <a:rPr lang="en-US" sz="1200" dirty="0">
-                <a:latin typeface="Courier New"/>
-                <a:cs typeface="Courier New"/>
-              </a:rPr>
-              <a:t>}  </a:t>
+              <a:t> }  </a:t>
             </a:r>
           </a:p>
         </p:txBody>
@@ -10195,21 +9631,6 @@
   <p:clrMapOvr>
     <a:masterClrMapping/>
   </p:clrMapOvr>
-  <mc:AlternateContent xmlns:mc="http://schemas.openxmlformats.org/markup-compatibility/2006" xmlns:p14="http://schemas.microsoft.com/office/powerpoint/2010/main">
-    <mc:Choice Requires="p14">
-      <p:transition spd="slow" p14:dur="2000"/>
-    </mc:Choice>
-    <mc:Fallback xmlns="">
-      <p:transition xmlns:p14="http://schemas.microsoft.com/office/powerpoint/2010/main" spd="slow"/>
-    </mc:Fallback>
-  </mc:AlternateContent>
-  <p:timing>
-    <p:tnLst>
-      <p:par>
-        <p:cTn id="1" dur="indefinite" restart="never" nodeType="tmRoot"/>
-      </p:par>
-    </p:tnLst>
-  </p:timing>
 </p:sld>
 </file>
 
@@ -10246,10 +9667,9 @@
           <a:lstStyle/>
           <a:p>
             <a:r>
-              <a:rPr lang="en-US" dirty="0" smtClean="0"/>
+              <a:rPr lang="en-US" dirty="0"/>
               <a:t>@HystrixCommand Metrics</a:t>
             </a:r>
-            <a:endParaRPr lang="en-US" dirty="0"/>
           </a:p>
         </p:txBody>
       </p:sp>
@@ -10269,11 +9689,11 @@
           <a:lstStyle/>
           <a:p>
             <a:r>
-              <a:rPr lang="en-US" sz="1800" b="1" dirty="0" smtClean="0"/>
+              <a:rPr lang="en-US" sz="1800" b="1" dirty="0"/>
               <a:t>Hystrix publishers real-time metrics for each </a:t>
             </a:r>
             <a:r>
-              <a:rPr lang="en-US" sz="1800" b="1" dirty="0" smtClean="0">
+              <a:rPr lang="en-US" sz="1800" b="1" dirty="0">
                 <a:latin typeface="Courier New"/>
                 <a:cs typeface="Courier New"/>
               </a:rPr>
@@ -10327,25 +9747,25 @@
               <a:t>propertyValue_circuitBreakerRequestVolumeThreshold</a:t>
             </a:r>
             <a:r>
-              <a:rPr lang="en-US" sz="1400" dirty="0" smtClean="0"/>
+              <a:rPr lang="en-US" sz="1400" dirty="0"/>
               <a:t>)</a:t>
             </a:r>
             <a:br>
-              <a:rPr lang="en-US" sz="1400" dirty="0" smtClean="0"/>
+              <a:rPr lang="en-US" sz="1400" dirty="0"/>
             </a:br>
             <a:endParaRPr lang="en-US" sz="1400" dirty="0"/>
           </a:p>
           <a:p>
             <a:r>
-              <a:rPr lang="en-US" sz="1800" dirty="0" smtClean="0"/>
+              <a:rPr lang="en-US" sz="1800" dirty="0"/>
               <a:t>Published to /</a:t>
             </a:r>
             <a:r>
-              <a:rPr lang="en-US" sz="1800" dirty="0" err="1" smtClean="0"/>
+              <a:rPr lang="en-US" sz="1800" dirty="0" err="1"/>
               <a:t>hystrix.stream</a:t>
             </a:r>
             <a:r>
-              <a:rPr lang="en-US" sz="1800" dirty="0" smtClean="0"/>
+              <a:rPr lang="en-US" sz="1800" dirty="0"/>
               <a:t> endpoint &amp; boot actuator metrics</a:t>
             </a:r>
           </a:p>
@@ -10354,22 +9774,21 @@
           </a:p>
           <a:p>
             <a:r>
-              <a:rPr lang="en-US" sz="1800" dirty="0" smtClean="0"/>
+              <a:rPr lang="en-US" sz="1800" dirty="0"/>
               <a:t>Individual /hystrix.streams aggregated via Turbine and published via /</a:t>
             </a:r>
             <a:r>
-              <a:rPr lang="en-US" sz="1800" dirty="0" err="1" smtClean="0"/>
+              <a:rPr lang="en-US" sz="1800" dirty="0" err="1"/>
               <a:t>turbine.stream</a:t>
             </a:r>
             <a:r>
-              <a:rPr lang="en-US" sz="1800" dirty="0" smtClean="0"/>
+              <a:rPr lang="en-US" sz="1800" dirty="0"/>
               <a:t> or AMQP.</a:t>
             </a:r>
+          </a:p>
+          <a:p>
+            <a:pPr lvl="1"/>
             <a:endParaRPr lang="en-US" sz="1800" dirty="0"/>
-          </a:p>
-          <a:p>
-            <a:pPr lvl="1"/>
-            <a:endParaRPr lang="en-US" sz="1800" dirty="0" smtClean="0"/>
           </a:p>
         </p:txBody>
       </p:sp>
@@ -10383,13 +9802,6 @@
   <p:clrMapOvr>
     <a:masterClrMapping/>
   </p:clrMapOvr>
-  <p:timing>
-    <p:tnLst>
-      <p:par>
-        <p:cTn id="1" dur="indefinite" restart="never" nodeType="tmRoot"/>
-      </p:par>
-    </p:tnLst>
-  </p:timing>
 </p:sld>
 </file>
 
@@ -10426,10 +9838,9 @@
           <a:lstStyle/>
           <a:p>
             <a:r>
-              <a:rPr lang="en-US" dirty="0" smtClean="0"/>
+              <a:rPr lang="en-US" dirty="0"/>
               <a:t>Hystrix Metrics With Turbine</a:t>
             </a:r>
-            <a:endParaRPr lang="en-US" dirty="0"/>
           </a:p>
         </p:txBody>
       </p:sp>
@@ -10467,13 +9878,6 @@
   <p:clrMapOvr>
     <a:masterClrMapping/>
   </p:clrMapOvr>
-  <p:timing>
-    <p:tnLst>
-      <p:par>
-        <p:cTn id="1" dur="indefinite" restart="never" nodeType="tmRoot"/>
-      </p:par>
-    </p:tnLst>
-  </p:timing>
 </p:sld>
 </file>
 
@@ -10510,10 +9914,9 @@
           <a:lstStyle/>
           <a:p>
             <a:r>
-              <a:rPr lang="en-US" dirty="0" smtClean="0"/>
+              <a:rPr lang="en-US" dirty="0"/>
               <a:t>Hystrix Dashboard</a:t>
             </a:r>
-            <a:endParaRPr lang="en-US" dirty="0"/>
           </a:p>
         </p:txBody>
       </p:sp>
@@ -10575,13 +9978,6 @@
   <p:clrMapOvr>
     <a:masterClrMapping/>
   </p:clrMapOvr>
-  <p:timing>
-    <p:tnLst>
-      <p:par>
-        <p:cTn id="1" dur="indefinite" restart="never" nodeType="tmRoot"/>
-      </p:par>
-    </p:tnLst>
-  </p:timing>
 </p:sld>
 </file>
 

--- a/presentations/103 - Intro to Spring Cloud Services/Session_8_Circuit_Breaker.pptx
+++ b/presentations/103 - Intro to Spring Cloud Services/Session_8_Circuit_Breaker.pptx
@@ -242,7 +242,7 @@
           <a:p>
             <a:fld id="{372E5B6B-8713-8747-AE5B-F1241B2BF5F0}" type="datetimeFigureOut">
               <a:rPr lang="en-US" smtClean="0"/>
-              <a:t>10/22/18</a:t>
+              <a:t>2/15/19</a:t>
             </a:fld>
             <a:endParaRPr lang="en-US"/>
           </a:p>
@@ -408,7 +408,7 @@
           <a:p>
             <a:fld id="{7E7B7340-DDD5-1B49-81AA-25BC4050C073}" type="datetimeFigureOut">
               <a:rPr lang="en-US" smtClean="0"/>
-              <a:t>10/22/18</a:t>
+              <a:t>2/15/19</a:t>
             </a:fld>
             <a:endParaRPr lang="en-US"/>
           </a:p>
@@ -9130,10 +9130,10 @@
       </p:cxnSp>
       <p:pic>
         <p:nvPicPr>
-          <p:cNvPr id="9" name="Picture 8">
+          <p:cNvPr id="4" name="Picture 3">
             <a:extLst>
               <a:ext uri="{FF2B5EF4-FFF2-40B4-BE49-F238E27FC236}">
-                <a16:creationId xmlns:a16="http://schemas.microsoft.com/office/drawing/2014/main" id="{67455ED0-E007-D746-B87D-1EA8CF64CF0C}"/>
+                <a16:creationId xmlns:a16="http://schemas.microsoft.com/office/drawing/2014/main" id="{891319D3-779B-E740-8BC5-F8878EC65F52}"/>
               </a:ext>
             </a:extLst>
           </p:cNvPr>
@@ -9150,8 +9150,8 @@
         </p:blipFill>
         <p:spPr>
           <a:xfrm>
-            <a:off x="1865283" y="3296861"/>
-            <a:ext cx="5311833" cy="499099"/>
+            <a:off x="1239520" y="3475893"/>
+            <a:ext cx="6103743" cy="522529"/>
           </a:xfrm>
           <a:prstGeom prst="rect">
             <a:avLst/>
